--- a/text/6.chapter8.pptx
+++ b/text/6.chapter8.pptx
@@ -1814,7 +1814,7 @@
           <a:graphicData uri="http://schemas.openxmlformats.org/presentationml/2006/ole">
             <mc:AlternateContent xmlns:mc="http://schemas.openxmlformats.org/markup-compatibility/2006">
               <mc:Choice xmlns:v="urn:schemas-microsoft-com:vml" Requires="v">
-                <p:oleObj spid="_x0000_s224496" name="Image" r:id="rId3" imgW="12190476" imgH="431594" progId="">
+                <p:oleObj spid="_x0000_s224497" name="Image" r:id="rId3" imgW="12190476" imgH="431594" progId="">
                   <p:embed/>
                 </p:oleObj>
               </mc:Choice>
@@ -9044,7 +9044,7 @@
           <a:graphicData uri="http://schemas.openxmlformats.org/presentationml/2006/ole">
             <mc:AlternateContent xmlns:mc="http://schemas.openxmlformats.org/markup-compatibility/2006">
               <mc:Choice xmlns:v="urn:schemas-microsoft-com:vml" Requires="v">
-                <p:oleObj spid="_x0000_s225288" name="パッケージャー シェル オブジェクト" showAsIcon="1" r:id="rId4" imgW="3261960" imgH="322920" progId="Package">
+                <p:oleObj spid="_x0000_s225289" name="パッケージャー シェル オブジェクト" showAsIcon="1" r:id="rId4" imgW="3261960" imgH="322920" progId="Package">
                   <p:embed/>
                 </p:oleObj>
               </mc:Choice>
@@ -9314,7 +9314,11 @@
             </a:r>
             <a:r>
               <a:rPr lang="ja-JP" altLang="en-US" dirty="0" smtClean="0"/>
-              <a:t>をするなら，明示的な</a:t>
+              <a:t>にする</a:t>
+            </a:r>
+            <a:r>
+              <a:rPr lang="ja-JP" altLang="en-US" dirty="0" smtClean="0"/>
+              <a:t>なら，明示的な</a:t>
             </a:r>
             <a:r>
               <a:rPr lang="en-US" altLang="ja-JP" dirty="0" smtClean="0"/>
@@ -9566,11 +9570,7 @@
           <a:p>
             <a:r>
               <a:rPr lang="en-US" altLang="ja-JP" dirty="0"/>
-              <a:t>8.4 Recommendations for new C code</a:t>
-            </a:r>
-            <a:r>
-              <a:rPr lang="en-US" altLang="ja-JP" dirty="0"/>
-              <a:t> </a:t>
+              <a:t>8.4 Recommendations for new C code </a:t>
             </a:r>
             <a:endParaRPr kumimoji="1" lang="ja-JP" altLang="en-US" dirty="0"/>
           </a:p>
@@ -9749,11 +9749,7 @@
             </a:r>
             <a:r>
               <a:rPr lang="en-US" altLang="ja-JP" dirty="0"/>
-              <a:t> c;}</a:t>
-            </a:r>
-            <a:r>
-              <a:rPr lang="en-US" altLang="ja-JP" dirty="0"/>
-              <a:t> </a:t>
+              <a:t> c;} </a:t>
             </a:r>
             <a:r>
               <a:rPr lang="ja-JP" altLang="en-US" dirty="0" smtClean="0"/>
@@ -10129,11 +10125,7 @@
             </a:r>
             <a:r>
               <a:rPr lang="en-US" altLang="ja-JP" dirty="0"/>
-              <a:t> value = UINT64_C(1) &lt;&lt; SOMANY;</a:t>
-            </a:r>
-            <a:r>
-              <a:rPr lang="en-US" altLang="ja-JP" dirty="0"/>
-              <a:t> </a:t>
+              <a:t> value = UINT64_C(1) &lt;&lt; SOMANY; </a:t>
             </a:r>
             <a:endParaRPr lang="en-US" altLang="ja-JP" dirty="0" smtClean="0"/>
           </a:p>
@@ -10327,11 +10319,7 @@
             </a:br>
             <a:r>
               <a:rPr lang="en-US" altLang="ja-JP" dirty="0"/>
-              <a:t>int64_t + uint32_t =&gt; int64_t</a:t>
-            </a:r>
-            <a:r>
-              <a:rPr lang="en-US" altLang="ja-JP" dirty="0"/>
-              <a:t> </a:t>
+              <a:t>int64_t + uint32_t =&gt; int64_t </a:t>
             </a:r>
             <a:endParaRPr lang="en-US" altLang="ja-JP" dirty="0" smtClean="0"/>
           </a:p>
@@ -10739,11 +10727,7 @@
             </a:br>
             <a:r>
               <a:rPr lang="en-US" altLang="ja-JP" sz="1800" dirty="0"/>
-              <a:t>a = (long)b + c;</a:t>
-            </a:r>
-            <a:r>
-              <a:rPr lang="en-US" altLang="ja-JP" sz="1800" dirty="0"/>
-              <a:t> </a:t>
+              <a:t>a = (long)b + c; </a:t>
             </a:r>
             <a:r>
               <a:rPr lang="en-US" altLang="ja-JP" dirty="0"/>
@@ -10839,11 +10823,7 @@
           <a:p>
             <a:r>
               <a:rPr lang="en-US" altLang="ja-JP" dirty="0"/>
-              <a:t>8.4.2 Bit manipulation operations</a:t>
-            </a:r>
-            <a:r>
-              <a:rPr lang="en-US" altLang="ja-JP" dirty="0"/>
-              <a:t> </a:t>
+              <a:t>8.4.2 Bit manipulation operations </a:t>
             </a:r>
             <a:endParaRPr kumimoji="1" lang="ja-JP" altLang="en-US" dirty="0"/>
           </a:p>
@@ -11071,11 +11051,7 @@
             </a:br>
             <a:r>
               <a:rPr lang="en-US" altLang="ja-JP" sz="1600" dirty="0"/>
-              <a:t>}</a:t>
-            </a:r>
-            <a:r>
-              <a:rPr lang="en-US" altLang="ja-JP" sz="1600" dirty="0"/>
-              <a:t> </a:t>
+              <a:t>} </a:t>
             </a:r>
             <a:endParaRPr lang="en-US" altLang="ja-JP" sz="1600" dirty="0" smtClean="0"/>
           </a:p>
@@ -11202,11 +11178,7 @@
             </a:br>
             <a:r>
               <a:rPr lang="en-US" altLang="ja-JP" sz="1600" dirty="0"/>
-              <a:t>}</a:t>
-            </a:r>
-            <a:r>
-              <a:rPr lang="en-US" altLang="ja-JP" sz="1600" dirty="0"/>
-              <a:t> </a:t>
+              <a:t>} </a:t>
             </a:r>
             <a:r>
               <a:rPr lang="en-US" altLang="ja-JP" dirty="0"/>
@@ -11375,11 +11347,7 @@
             </a:r>
             <a:r>
               <a:rPr lang="en-US" altLang="ja-JP" dirty="0"/>
-              <a:t> index = 0; index != BIG_NUMBER; index++) ...</a:t>
-            </a:r>
-            <a:r>
-              <a:rPr lang="en-US" altLang="ja-JP" dirty="0"/>
-              <a:t> </a:t>
+              <a:t> index = 0; index != BIG_NUMBER; index++) ... </a:t>
             </a:r>
             <a:br>
               <a:rPr lang="en-US" altLang="ja-JP" dirty="0"/>
@@ -11654,11 +11622,7 @@
             </a:r>
             <a:r>
               <a:rPr lang="ja-JP" altLang="en-US" dirty="0" smtClean="0"/>
-              <a:t>はそれ以降</a:t>
-            </a:r>
-            <a:r>
-              <a:rPr lang="ja-JP" altLang="en-US" dirty="0" smtClean="0"/>
-              <a:t>の命令のメモリアクセスは</a:t>
+              <a:t>はそれ以降の命令のメモリアクセスは</a:t>
             </a:r>
             <a:r>
               <a:rPr lang="en-US" altLang="ja-JP" dirty="0" smtClean="0"/>
